--- a/tractor_jd_1025r.pptx
+++ b/tractor_jd_1025r.pptx
@@ -261,7 +261,7 @@
           <a:lstStyle/>
           <a:p>
             <a:fld id="{16286276-9013-2A43-82D1-BA4685C95117}" type="datetimeFigureOut">
-              <a:t>8/31/24</a:t>
+              <a:t>5/10/25</a:t>
             </a:fld>
             <a:endParaRPr lang="en-US"/>
           </a:p>
@@ -457,7 +457,7 @@
           <a:lstStyle/>
           <a:p>
             <a:fld id="{16286276-9013-2A43-82D1-BA4685C95117}" type="datetimeFigureOut">
-              <a:t>8/31/24</a:t>
+              <a:t>5/10/25</a:t>
             </a:fld>
             <a:endParaRPr lang="en-US"/>
           </a:p>
@@ -663,7 +663,7 @@
           <a:lstStyle/>
           <a:p>
             <a:fld id="{16286276-9013-2A43-82D1-BA4685C95117}" type="datetimeFigureOut">
-              <a:t>8/31/24</a:t>
+              <a:t>5/10/25</a:t>
             </a:fld>
             <a:endParaRPr lang="en-US"/>
           </a:p>
@@ -859,7 +859,7 @@
           <a:lstStyle/>
           <a:p>
             <a:fld id="{16286276-9013-2A43-82D1-BA4685C95117}" type="datetimeFigureOut">
-              <a:t>8/31/24</a:t>
+              <a:t>5/10/25</a:t>
             </a:fld>
             <a:endParaRPr lang="en-US"/>
           </a:p>
@@ -1132,7 +1132,7 @@
           <a:lstStyle/>
           <a:p>
             <a:fld id="{16286276-9013-2A43-82D1-BA4685C95117}" type="datetimeFigureOut">
-              <a:t>8/31/24</a:t>
+              <a:t>5/10/25</a:t>
             </a:fld>
             <a:endParaRPr lang="en-US"/>
           </a:p>
@@ -1395,7 +1395,7 @@
           <a:lstStyle/>
           <a:p>
             <a:fld id="{16286276-9013-2A43-82D1-BA4685C95117}" type="datetimeFigureOut">
-              <a:t>8/31/24</a:t>
+              <a:t>5/10/25</a:t>
             </a:fld>
             <a:endParaRPr lang="en-US"/>
           </a:p>
@@ -1805,7 +1805,7 @@
           <a:lstStyle/>
           <a:p>
             <a:fld id="{16286276-9013-2A43-82D1-BA4685C95117}" type="datetimeFigureOut">
-              <a:t>8/31/24</a:t>
+              <a:t>5/10/25</a:t>
             </a:fld>
             <a:endParaRPr lang="en-US"/>
           </a:p>
@@ -1944,7 +1944,7 @@
           <a:lstStyle/>
           <a:p>
             <a:fld id="{16286276-9013-2A43-82D1-BA4685C95117}" type="datetimeFigureOut">
-              <a:t>8/31/24</a:t>
+              <a:t>5/10/25</a:t>
             </a:fld>
             <a:endParaRPr lang="en-US"/>
           </a:p>
@@ -2055,7 +2055,7 @@
           <a:lstStyle/>
           <a:p>
             <a:fld id="{16286276-9013-2A43-82D1-BA4685C95117}" type="datetimeFigureOut">
-              <a:t>8/31/24</a:t>
+              <a:t>5/10/25</a:t>
             </a:fld>
             <a:endParaRPr lang="en-US"/>
           </a:p>
@@ -2364,7 +2364,7 @@
           <a:lstStyle/>
           <a:p>
             <a:fld id="{16286276-9013-2A43-82D1-BA4685C95117}" type="datetimeFigureOut">
-              <a:t>8/31/24</a:t>
+              <a:t>5/10/25</a:t>
             </a:fld>
             <a:endParaRPr lang="en-US"/>
           </a:p>
@@ -2650,7 +2650,7 @@
           <a:lstStyle/>
           <a:p>
             <a:fld id="{16286276-9013-2A43-82D1-BA4685C95117}" type="datetimeFigureOut">
-              <a:t>8/31/24</a:t>
+              <a:t>5/10/25</a:t>
             </a:fld>
             <a:endParaRPr lang="en-US"/>
           </a:p>
@@ -2889,7 +2889,7 @@
           </a:lstStyle>
           <a:p>
             <a:fld id="{16286276-9013-2A43-82D1-BA4685C95117}" type="datetimeFigureOut">
-              <a:t>8/31/24</a:t>
+              <a:t>5/10/25</a:t>
             </a:fld>
             <a:endParaRPr lang="en-US"/>
           </a:p>
@@ -3349,7 +3349,7 @@
           </a:p>
           <a:p>
             <a:r>
-              <a:rPr lang="en-US" sz="1600" b="1" i="0" dirty="0">
+              <a:rPr lang="en-US" sz="1200" b="1" i="0" dirty="0">
                 <a:solidFill>
                   <a:srgbClr val="FF0000"/>
                 </a:solidFill>
@@ -3360,23 +3360,33 @@
           </a:p>
           <a:p>
             <a:r>
-              <a:rPr lang="en-US" sz="1600" b="1" i="0" dirty="0">
+              <a:rPr lang="en-US" sz="1200" b="1" i="0" dirty="0">
                 <a:solidFill>
                   <a:srgbClr val="FF0000"/>
                 </a:solidFill>
                 <a:effectLst/>
               </a:rPr>
-              <a:t>1023E - $15,600</a:t>
-            </a:r>
-          </a:p>
-          <a:p>
-            <a:r>
-              <a:rPr lang="en-US" sz="1600" b="1" dirty="0">
+              <a:t>1023E - $15,600. </a:t>
+            </a:r>
+          </a:p>
+          <a:p>
+            <a:r>
+              <a:rPr lang="en-US" sz="1200" b="1" dirty="0">
                 <a:solidFill>
                   <a:srgbClr val="FF0000"/>
                 </a:solidFill>
               </a:rPr>
-              <a:t>1025R - $18,400</a:t>
+              <a:t>1025R - $18,400 </a:t>
+            </a:r>
+          </a:p>
+          <a:p>
+            <a:r>
+              <a:rPr lang="en-US" sz="1200" b="1" dirty="0">
+                <a:solidFill>
+                  <a:srgbClr val="FF0000"/>
+                </a:solidFill>
+              </a:rPr>
+              <a:t>2025R - bigger wheels, longer, heavier)</a:t>
             </a:r>
           </a:p>
         </p:txBody>
@@ -3410,13 +3420,18 @@
         </p:blipFill>
         <p:spPr bwMode="auto">
           <a:xfrm>
-            <a:off x="9571055" y="2878233"/>
+            <a:off x="9429537" y="2987093"/>
             <a:ext cx="2652054" cy="1901473"/>
           </a:xfrm>
           <a:prstGeom prst="rect">
             <a:avLst/>
           </a:prstGeom>
           <a:noFill/>
+          <a:ln>
+            <a:solidFill>
+              <a:srgbClr val="FF0000"/>
+            </a:solidFill>
+          </a:ln>
           <a:extLst>
             <a:ext uri="{909E8E84-426E-40DD-AFC4-6F175D3DCCD1}">
               <a14:hiddenFill xmlns:a14="http://schemas.microsoft.com/office/drawing/2010/main">
@@ -3443,7 +3458,7 @@
         <p:spPr>
           <a:xfrm>
             <a:off x="245841" y="1520645"/>
-            <a:ext cx="3630511" cy="3139321"/>
+            <a:ext cx="3630511" cy="3416320"/>
           </a:xfrm>
           <a:prstGeom prst="rect">
             <a:avLst/>
@@ -3492,6 +3507,12 @@
           <a:p>
             <a:r>
               <a:rPr lang="en-US" dirty="0"/>
+              <a:t>weight: 610 kg or 654 kg</a:t>
+            </a:r>
+          </a:p>
+          <a:p>
+            <a:r>
+              <a:rPr lang="en-US" dirty="0"/>
               <a:t>mower deck, 120R loader, ...</a:t>
             </a:r>
           </a:p>
@@ -3665,13 +3686,18 @@
         </p:blipFill>
         <p:spPr bwMode="auto">
           <a:xfrm>
-            <a:off x="4147841" y="943859"/>
-            <a:ext cx="2133517" cy="1967273"/>
+            <a:off x="3940712" y="1519149"/>
+            <a:ext cx="1556574" cy="1435286"/>
           </a:xfrm>
           <a:prstGeom prst="rect">
             <a:avLst/>
           </a:prstGeom>
           <a:noFill/>
+          <a:ln>
+            <a:solidFill>
+              <a:srgbClr val="FF0000"/>
+            </a:solidFill>
+          </a:ln>
           <a:extLst>
             <a:ext uri="{909E8E84-426E-40DD-AFC4-6F175D3DCCD1}">
               <a14:hiddenFill xmlns:a14="http://schemas.microsoft.com/office/drawing/2010/main">
@@ -3698,7 +3724,7 @@
           <p:nvPr/>
         </p:nvPicPr>
         <p:blipFill>
-          <a:blip r:embed="rId7">
+          <a:blip r:embed="rId7" cstate="email">
             <a:extLst>
               <a:ext uri="{28A0092B-C50C-407E-A947-70E740481C1C}">
                 <a14:useLocalDpi xmlns:a14="http://schemas.microsoft.com/office/drawing/2010/main"/>
@@ -3712,13 +3738,18 @@
         </p:blipFill>
         <p:spPr bwMode="auto">
           <a:xfrm>
-            <a:off x="4049570" y="4847912"/>
-            <a:ext cx="2652055" cy="1894325"/>
+            <a:off x="3150024" y="5050814"/>
+            <a:ext cx="2459435" cy="1756739"/>
           </a:xfrm>
           <a:prstGeom prst="rect">
             <a:avLst/>
           </a:prstGeom>
           <a:noFill/>
+          <a:ln>
+            <a:solidFill>
+              <a:srgbClr val="FF0000"/>
+            </a:solidFill>
+          </a:ln>
           <a:extLst>
             <a:ext uri="{909E8E84-426E-40DD-AFC4-6F175D3DCCD1}">
               <a14:hiddenFill xmlns:a14="http://schemas.microsoft.com/office/drawing/2010/main">
@@ -3766,6 +3797,11 @@
             <a:avLst/>
           </a:prstGeom>
           <a:noFill/>
+          <a:ln>
+            <a:solidFill>
+              <a:srgbClr val="FF0000"/>
+            </a:solidFill>
+          </a:ln>
           <a:extLst>
             <a:ext uri="{909E8E84-426E-40DD-AFC4-6F175D3DCCD1}">
               <a14:hiddenFill xmlns:a14="http://schemas.microsoft.com/office/drawing/2010/main">
@@ -3791,7 +3827,7 @@
           </p:cNvPicPr>
           <p:nvPr/>
         </p:nvPicPr>
-        <p:blipFill>
+        <p:blipFill rotWithShape="1">
           <a:blip r:embed="rId9" cstate="email">
             <a:extLst>
               <a:ext uri="{28A0092B-C50C-407E-A947-70E740481C1C}">
@@ -3800,19 +3836,22 @@
             </a:extLst>
           </a:blip>
           <a:srcRect/>
-          <a:stretch>
-            <a:fillRect/>
-          </a:stretch>
+          <a:stretch/>
         </p:blipFill>
         <p:spPr bwMode="auto">
           <a:xfrm>
-            <a:off x="4049570" y="3045825"/>
-            <a:ext cx="3203711" cy="1802087"/>
+            <a:off x="3941472" y="2998351"/>
+            <a:ext cx="3733458" cy="1938614"/>
           </a:xfrm>
           <a:prstGeom prst="rect">
             <a:avLst/>
           </a:prstGeom>
           <a:noFill/>
+          <a:ln>
+            <a:solidFill>
+              <a:srgbClr val="FF0000"/>
+            </a:solidFill>
+          </a:ln>
           <a:extLst>
             <a:ext uri="{909E8E84-426E-40DD-AFC4-6F175D3DCCD1}">
               <a14:hiddenFill xmlns:a14="http://schemas.microsoft.com/office/drawing/2010/main">
@@ -3838,7 +3877,7 @@
         </p:nvSpPr>
         <p:spPr>
           <a:xfrm>
-            <a:off x="245841" y="4800438"/>
+            <a:off x="60784" y="5050814"/>
             <a:ext cx="3032686" cy="1754326"/>
           </a:xfrm>
           <a:prstGeom prst="rect">
@@ -3959,6 +3998,11 @@
             <a:avLst/>
           </a:prstGeom>
           <a:noFill/>
+          <a:ln>
+            <a:solidFill>
+              <a:srgbClr val="FF0000"/>
+            </a:solidFill>
+          </a:ln>
           <a:extLst>
             <a:ext uri="{909E8E84-426E-40DD-AFC4-6F175D3DCCD1}">
               <a14:hiddenFill xmlns:a14="http://schemas.microsoft.com/office/drawing/2010/main">
@@ -3984,8 +4028,8 @@
         </p:nvSpPr>
         <p:spPr>
           <a:xfrm>
-            <a:off x="8194366" y="4263137"/>
-            <a:ext cx="1650065" cy="584775"/>
+            <a:off x="7808126" y="5795074"/>
+            <a:ext cx="1566971" cy="584775"/>
           </a:xfrm>
           <a:prstGeom prst="rect">
             <a:avLst/>
@@ -4113,6 +4157,11 @@
             <a:avLst/>
           </a:prstGeom>
           <a:noFill/>
+          <a:ln>
+            <a:solidFill>
+              <a:srgbClr val="FF0000"/>
+            </a:solidFill>
+          </a:ln>
           <a:extLst>
             <a:ext uri="{909E8E84-426E-40DD-AFC4-6F175D3DCCD1}">
               <a14:hiddenFill xmlns:a14="http://schemas.microsoft.com/office/drawing/2010/main">
@@ -4151,13 +4200,18 @@
         </p:blipFill>
         <p:spPr bwMode="auto">
           <a:xfrm>
-            <a:off x="8856450" y="720090"/>
-            <a:ext cx="2470679" cy="2080260"/>
+            <a:off x="6771525" y="201753"/>
+            <a:ext cx="1394364" cy="1174025"/>
           </a:xfrm>
           <a:prstGeom prst="rect">
             <a:avLst/>
           </a:prstGeom>
           <a:noFill/>
+          <a:ln>
+            <a:solidFill>
+              <a:srgbClr val="FF0000"/>
+            </a:solidFill>
+          </a:ln>
           <a:extLst>
             <a:ext uri="{909E8E84-426E-40DD-AFC4-6F175D3DCCD1}">
               <a14:hiddenFill xmlns:a14="http://schemas.microsoft.com/office/drawing/2010/main">
@@ -4205,6 +4259,11 @@
             <a:avLst/>
           </a:prstGeom>
           <a:noFill/>
+          <a:ln>
+            <a:solidFill>
+              <a:srgbClr val="FF0000"/>
+            </a:solidFill>
+          </a:ln>
           <a:extLst>
             <a:ext uri="{909E8E84-426E-40DD-AFC4-6F175D3DCCD1}">
               <a14:hiddenFill xmlns:a14="http://schemas.microsoft.com/office/drawing/2010/main">
@@ -4230,7 +4289,7 @@
         </p:nvSpPr>
         <p:spPr>
           <a:xfrm>
-            <a:off x="4044108" y="971550"/>
+            <a:off x="2897504" y="442117"/>
             <a:ext cx="3785442" cy="923330"/>
           </a:xfrm>
           <a:prstGeom prst="rect">
@@ -4303,8 +4362,8 @@
         </p:nvSpPr>
         <p:spPr>
           <a:xfrm>
-            <a:off x="8856449" y="2754630"/>
-            <a:ext cx="2470679" cy="369332"/>
+            <a:off x="8254468" y="313789"/>
+            <a:ext cx="1394363" cy="646331"/>
           </a:xfrm>
           <a:prstGeom prst="rect">
             <a:avLst/>
@@ -4342,8 +4401,8 @@
           </p:cNvPicPr>
           <p:nvPr/>
         </p:nvPicPr>
-        <p:blipFill>
-          <a:blip r:embed="rId5">
+        <p:blipFill rotWithShape="1">
+          <a:blip r:embed="rId5" cstate="email">
             <a:extLst>
               <a:ext uri="{28A0092B-C50C-407E-A947-70E740481C1C}">
                 <a14:useLocalDpi xmlns:a14="http://schemas.microsoft.com/office/drawing/2010/main"/>
@@ -4351,19 +4410,22 @@
             </a:extLst>
           </a:blip>
           <a:srcRect/>
-          <a:stretch>
-            <a:fillRect/>
-          </a:stretch>
+          <a:stretch/>
         </p:blipFill>
         <p:spPr bwMode="auto">
           <a:xfrm>
-            <a:off x="8652510" y="4157290"/>
-            <a:ext cx="3111500" cy="2603500"/>
+            <a:off x="9862454" y="4179062"/>
+            <a:ext cx="2242459" cy="2603500"/>
           </a:xfrm>
           <a:prstGeom prst="rect">
             <a:avLst/>
           </a:prstGeom>
           <a:noFill/>
+          <a:ln>
+            <a:solidFill>
+              <a:srgbClr val="FF0000"/>
+            </a:solidFill>
+          </a:ln>
           <a:extLst>
             <a:ext uri="{909E8E84-426E-40DD-AFC4-6F175D3DCCD1}">
               <a14:hiddenFill xmlns:a14="http://schemas.microsoft.com/office/drawing/2010/main">
@@ -4389,7 +4451,7 @@
         </p:nvSpPr>
         <p:spPr>
           <a:xfrm>
-            <a:off x="4364148" y="5897880"/>
+            <a:off x="6018778" y="5897880"/>
             <a:ext cx="3785442" cy="646331"/>
           </a:xfrm>
           <a:prstGeom prst="rect">
@@ -4434,7 +4496,7 @@
         </p:nvSpPr>
         <p:spPr>
           <a:xfrm>
-            <a:off x="4364148" y="4778455"/>
+            <a:off x="6018778" y="4778455"/>
             <a:ext cx="3785442" cy="646331"/>
           </a:xfrm>
           <a:prstGeom prst="rect">
@@ -4461,6 +4523,103 @@
             <a:r>
               <a:rPr lang="en-US" dirty="0"/>
               <a:t>Wheeled Backhoe – smaller, lighter, more agile</a:t>
+            </a:r>
+          </a:p>
+        </p:txBody>
+      </p:sp>
+      <p:pic>
+        <p:nvPicPr>
+          <p:cNvPr id="9" name="Picture 2" descr="1025R vs 2025R spec comparison graphic | Green Tractor Talk">
+            <a:extLst>
+              <a:ext uri="{FF2B5EF4-FFF2-40B4-BE49-F238E27FC236}">
+                <a16:creationId xmlns:a16="http://schemas.microsoft.com/office/drawing/2014/main" id="{6EE92ACC-3C05-CEFE-7668-731BEC0696F5}"/>
+              </a:ext>
+            </a:extLst>
+          </p:cNvPr>
+          <p:cNvPicPr>
+            <a:picLocks noChangeAspect="1" noChangeArrowheads="1"/>
+          </p:cNvPicPr>
+          <p:nvPr/>
+        </p:nvPicPr>
+        <p:blipFill>
+          <a:blip r:embed="rId6" cstate="email">
+            <a:extLst>
+              <a:ext uri="{28A0092B-C50C-407E-A947-70E740481C1C}">
+                <a14:useLocalDpi xmlns:a14="http://schemas.microsoft.com/office/drawing/2010/main"/>
+              </a:ext>
+            </a:extLst>
+          </a:blip>
+          <a:srcRect/>
+          <a:stretch>
+            <a:fillRect/>
+          </a:stretch>
+        </p:blipFill>
+        <p:spPr bwMode="auto">
+          <a:xfrm>
+            <a:off x="4499776" y="2033512"/>
+            <a:ext cx="4693634" cy="2603500"/>
+          </a:xfrm>
+          <a:prstGeom prst="rect">
+            <a:avLst/>
+          </a:prstGeom>
+          <a:noFill/>
+          <a:ln>
+            <a:solidFill>
+              <a:srgbClr val="FF0000"/>
+            </a:solidFill>
+          </a:ln>
+          <a:extLst>
+            <a:ext uri="{909E8E84-426E-40DD-AFC4-6F175D3DCCD1}">
+              <a14:hiddenFill xmlns:a14="http://schemas.microsoft.com/office/drawing/2010/main">
+                <a:solidFill>
+                  <a:srgbClr val="FFFFFF"/>
+                </a:solidFill>
+              </a14:hiddenFill>
+            </a:ext>
+          </a:extLst>
+        </p:spPr>
+      </p:pic>
+      <p:sp>
+        <p:nvSpPr>
+          <p:cNvPr id="10" name="TextBox 9">
+            <a:extLst>
+              <a:ext uri="{FF2B5EF4-FFF2-40B4-BE49-F238E27FC236}">
+                <a16:creationId xmlns:a16="http://schemas.microsoft.com/office/drawing/2014/main" id="{F16BDBF8-78D7-2C01-01B7-8F1BC417A9C6}"/>
+              </a:ext>
+            </a:extLst>
+          </p:cNvPr>
+          <p:cNvSpPr txBox="1"/>
+          <p:nvPr/>
+        </p:nvSpPr>
+        <p:spPr>
+          <a:xfrm>
+            <a:off x="4953872" y="1639625"/>
+            <a:ext cx="3785442" cy="369332"/>
+          </a:xfrm>
+          <a:prstGeom prst="rect">
+            <a:avLst/>
+          </a:prstGeom>
+          <a:solidFill>
+            <a:schemeClr val="accent4">
+              <a:lumMod val="20000"/>
+              <a:lumOff val="80000"/>
+            </a:schemeClr>
+          </a:solidFill>
+          <a:ln>
+            <a:solidFill>
+              <a:srgbClr val="FF0000"/>
+            </a:solidFill>
+          </a:ln>
+        </p:spPr>
+        <p:txBody>
+          <a:bodyPr wrap="square" rtlCol="0">
+            <a:spAutoFit/>
+          </a:bodyPr>
+          <a:lstStyle/>
+          <a:p>
+            <a:r>
+              <a:rPr lang="en-US" dirty="0"/>
+              <a:t> 1025R                    vs                     2025R</a:t>
             </a:r>
           </a:p>
         </p:txBody>

--- a/tractor_jd_1025r.pptx
+++ b/tractor_jd_1025r.pptx
@@ -7,8 +7,9 @@
   <p:sldIdLst>
     <p:sldId id="262" r:id="rId2"/>
     <p:sldId id="258" r:id="rId3"/>
-    <p:sldId id="261" r:id="rId4"/>
-    <p:sldId id="263" r:id="rId5"/>
+    <p:sldId id="264" r:id="rId4"/>
+    <p:sldId id="261" r:id="rId5"/>
+    <p:sldId id="263" r:id="rId6"/>
   </p:sldIdLst>
   <p:sldSz cx="12192000" cy="6858000"/>
   <p:notesSz cx="6858000" cy="9144000"/>
@@ -261,7 +262,7 @@
           <a:lstStyle/>
           <a:p>
             <a:fld id="{16286276-9013-2A43-82D1-BA4685C95117}" type="datetimeFigureOut">
-              <a:t>5/10/25</a:t>
+              <a:t>5/26/25</a:t>
             </a:fld>
             <a:endParaRPr lang="en-US"/>
           </a:p>
@@ -457,7 +458,7 @@
           <a:lstStyle/>
           <a:p>
             <a:fld id="{16286276-9013-2A43-82D1-BA4685C95117}" type="datetimeFigureOut">
-              <a:t>5/10/25</a:t>
+              <a:t>5/26/25</a:t>
             </a:fld>
             <a:endParaRPr lang="en-US"/>
           </a:p>
@@ -663,7 +664,7 @@
           <a:lstStyle/>
           <a:p>
             <a:fld id="{16286276-9013-2A43-82D1-BA4685C95117}" type="datetimeFigureOut">
-              <a:t>5/10/25</a:t>
+              <a:t>5/26/25</a:t>
             </a:fld>
             <a:endParaRPr lang="en-US"/>
           </a:p>
@@ -859,7 +860,7 @@
           <a:lstStyle/>
           <a:p>
             <a:fld id="{16286276-9013-2A43-82D1-BA4685C95117}" type="datetimeFigureOut">
-              <a:t>5/10/25</a:t>
+              <a:t>5/26/25</a:t>
             </a:fld>
             <a:endParaRPr lang="en-US"/>
           </a:p>
@@ -1132,7 +1133,7 @@
           <a:lstStyle/>
           <a:p>
             <a:fld id="{16286276-9013-2A43-82D1-BA4685C95117}" type="datetimeFigureOut">
-              <a:t>5/10/25</a:t>
+              <a:t>5/26/25</a:t>
             </a:fld>
             <a:endParaRPr lang="en-US"/>
           </a:p>
@@ -1395,7 +1396,7 @@
           <a:lstStyle/>
           <a:p>
             <a:fld id="{16286276-9013-2A43-82D1-BA4685C95117}" type="datetimeFigureOut">
-              <a:t>5/10/25</a:t>
+              <a:t>5/26/25</a:t>
             </a:fld>
             <a:endParaRPr lang="en-US"/>
           </a:p>
@@ -1805,7 +1806,7 @@
           <a:lstStyle/>
           <a:p>
             <a:fld id="{16286276-9013-2A43-82D1-BA4685C95117}" type="datetimeFigureOut">
-              <a:t>5/10/25</a:t>
+              <a:t>5/26/25</a:t>
             </a:fld>
             <a:endParaRPr lang="en-US"/>
           </a:p>
@@ -1944,7 +1945,7 @@
           <a:lstStyle/>
           <a:p>
             <a:fld id="{16286276-9013-2A43-82D1-BA4685C95117}" type="datetimeFigureOut">
-              <a:t>5/10/25</a:t>
+              <a:t>5/26/25</a:t>
             </a:fld>
             <a:endParaRPr lang="en-US"/>
           </a:p>
@@ -2055,7 +2056,7 @@
           <a:lstStyle/>
           <a:p>
             <a:fld id="{16286276-9013-2A43-82D1-BA4685C95117}" type="datetimeFigureOut">
-              <a:t>5/10/25</a:t>
+              <a:t>5/26/25</a:t>
             </a:fld>
             <a:endParaRPr lang="en-US"/>
           </a:p>
@@ -2364,7 +2365,7 @@
           <a:lstStyle/>
           <a:p>
             <a:fld id="{16286276-9013-2A43-82D1-BA4685C95117}" type="datetimeFigureOut">
-              <a:t>5/10/25</a:t>
+              <a:t>5/26/25</a:t>
             </a:fld>
             <a:endParaRPr lang="en-US"/>
           </a:p>
@@ -2650,7 +2651,7 @@
           <a:lstStyle/>
           <a:p>
             <a:fld id="{16286276-9013-2A43-82D1-BA4685C95117}" type="datetimeFigureOut">
-              <a:t>5/10/25</a:t>
+              <a:t>5/26/25</a:t>
             </a:fld>
             <a:endParaRPr lang="en-US"/>
           </a:p>
@@ -2889,7 +2890,7 @@
           </a:lstStyle>
           <a:p>
             <a:fld id="{16286276-9013-2A43-82D1-BA4685C95117}" type="datetimeFigureOut">
-              <a:t>5/10/25</a:t>
+              <a:t>5/26/25</a:t>
             </a:fld>
             <a:endParaRPr lang="en-US"/>
           </a:p>
@@ -4642,6 +4643,426 @@
   <p:cSld>
     <p:spTree>
       <p:nvGrpSpPr>
+        <p:cNvPr id="1" name="">
+          <a:extLst>
+            <a:ext uri="{FF2B5EF4-FFF2-40B4-BE49-F238E27FC236}">
+              <a16:creationId xmlns:a16="http://schemas.microsoft.com/office/drawing/2014/main" id="{BF0F6C77-9DF7-270C-CAF5-1425679466AF}"/>
+            </a:ext>
+          </a:extLst>
+        </p:cNvPr>
+        <p:cNvGrpSpPr/>
+        <p:nvPr/>
+      </p:nvGrpSpPr>
+      <p:grpSpPr>
+        <a:xfrm>
+          <a:off x="0" y="0"/>
+          <a:ext cx="0" cy="0"/>
+          <a:chOff x="0" y="0"/>
+          <a:chExt cx="0" cy="0"/>
+        </a:xfrm>
+      </p:grpSpPr>
+      <p:sp>
+        <p:nvSpPr>
+          <p:cNvPr id="2" name="TextBox 1">
+            <a:extLst>
+              <a:ext uri="{FF2B5EF4-FFF2-40B4-BE49-F238E27FC236}">
+                <a16:creationId xmlns:a16="http://schemas.microsoft.com/office/drawing/2014/main" id="{3956900E-1F44-5200-4B48-801051E08C91}"/>
+              </a:ext>
+            </a:extLst>
+          </p:cNvPr>
+          <p:cNvSpPr txBox="1"/>
+          <p:nvPr/>
+        </p:nvSpPr>
+        <p:spPr>
+          <a:xfrm>
+            <a:off x="-1" y="0"/>
+            <a:ext cx="5795011" cy="461665"/>
+          </a:xfrm>
+          <a:prstGeom prst="rect">
+            <a:avLst/>
+          </a:prstGeom>
+          <a:noFill/>
+        </p:spPr>
+        <p:txBody>
+          <a:bodyPr wrap="square" rtlCol="0">
+            <a:spAutoFit/>
+          </a:bodyPr>
+          <a:lstStyle/>
+          <a:p>
+            <a:r>
+              <a:rPr lang="en-US" sz="2400" b="1" dirty="0"/>
+              <a:t>Backhoe 260b – use with 1025R</a:t>
+            </a:r>
+            <a:endParaRPr lang="en-US" sz="2400" b="1" i="0" dirty="0">
+              <a:solidFill>
+                <a:srgbClr val="333333"/>
+              </a:solidFill>
+              <a:effectLst/>
+            </a:endParaRPr>
+          </a:p>
+        </p:txBody>
+      </p:sp>
+      <p:sp>
+        <p:nvSpPr>
+          <p:cNvPr id="8" name="TextBox 7">
+            <a:extLst>
+              <a:ext uri="{FF2B5EF4-FFF2-40B4-BE49-F238E27FC236}">
+                <a16:creationId xmlns:a16="http://schemas.microsoft.com/office/drawing/2014/main" id="{021FCEF9-3A32-8081-FC7A-EE3CAB7FCD67}"/>
+              </a:ext>
+            </a:extLst>
+          </p:cNvPr>
+          <p:cNvSpPr txBox="1"/>
+          <p:nvPr/>
+        </p:nvSpPr>
+        <p:spPr>
+          <a:xfrm>
+            <a:off x="262129" y="4253566"/>
+            <a:ext cx="3785442" cy="1169551"/>
+          </a:xfrm>
+          <a:prstGeom prst="rect">
+            <a:avLst/>
+          </a:prstGeom>
+          <a:solidFill>
+            <a:schemeClr val="accent4">
+              <a:lumMod val="20000"/>
+              <a:lumOff val="80000"/>
+            </a:schemeClr>
+          </a:solidFill>
+          <a:ln>
+            <a:solidFill>
+              <a:srgbClr val="FF0000"/>
+            </a:solidFill>
+          </a:ln>
+        </p:spPr>
+        <p:txBody>
+          <a:bodyPr wrap="square" rtlCol="0">
+            <a:spAutoFit/>
+          </a:bodyPr>
+          <a:lstStyle/>
+          <a:p>
+            <a:r>
+              <a:rPr lang="en-US" sz="1400" dirty="0"/>
+              <a:t>Both have diesel engine.</a:t>
+            </a:r>
+          </a:p>
+          <a:p>
+            <a:pPr marL="285750" indent="-285750">
+              <a:buFont typeface="Arial" panose="020B0604020202020204" pitchFamily="34" charset="0"/>
+              <a:buChar char="•"/>
+            </a:pPr>
+            <a:r>
+              <a:rPr lang="en-US" sz="1400" dirty="0"/>
+              <a:t>X758 is a garden tractor (mowing, with optional 3-point hitch and PTO)</a:t>
+            </a:r>
+          </a:p>
+          <a:p>
+            <a:pPr marL="285750" indent="-285750">
+              <a:buFont typeface="Arial" panose="020B0604020202020204" pitchFamily="34" charset="0"/>
+              <a:buChar char="•"/>
+            </a:pPr>
+            <a:r>
+              <a:rPr lang="en-US" sz="1400" dirty="0"/>
+              <a:t>1025R is a true sub-compact utility tractor (loader, backhoe, ...), heavier</a:t>
+            </a:r>
+          </a:p>
+        </p:txBody>
+      </p:sp>
+      <p:sp>
+        <p:nvSpPr>
+          <p:cNvPr id="10" name="TextBox 9">
+            <a:extLst>
+              <a:ext uri="{FF2B5EF4-FFF2-40B4-BE49-F238E27FC236}">
+                <a16:creationId xmlns:a16="http://schemas.microsoft.com/office/drawing/2014/main" id="{2EACD354-3FD4-BB1F-4646-02FD15077B14}"/>
+              </a:ext>
+            </a:extLst>
+          </p:cNvPr>
+          <p:cNvSpPr txBox="1"/>
+          <p:nvPr/>
+        </p:nvSpPr>
+        <p:spPr>
+          <a:xfrm>
+            <a:off x="262129" y="775454"/>
+            <a:ext cx="3785442" cy="369332"/>
+          </a:xfrm>
+          <a:prstGeom prst="rect">
+            <a:avLst/>
+          </a:prstGeom>
+          <a:solidFill>
+            <a:schemeClr val="accent4">
+              <a:lumMod val="20000"/>
+              <a:lumOff val="80000"/>
+            </a:schemeClr>
+          </a:solidFill>
+          <a:ln>
+            <a:solidFill>
+              <a:srgbClr val="FF0000"/>
+            </a:solidFill>
+          </a:ln>
+        </p:spPr>
+        <p:txBody>
+          <a:bodyPr wrap="square" rtlCol="0">
+            <a:spAutoFit/>
+          </a:bodyPr>
+          <a:lstStyle/>
+          <a:p>
+            <a:r>
+              <a:rPr lang="en-US" dirty="0"/>
+              <a:t> 1025R                    vs                     X758</a:t>
+            </a:r>
+          </a:p>
+        </p:txBody>
+      </p:sp>
+      <p:pic>
+        <p:nvPicPr>
+          <p:cNvPr id="12" name="Picture 11">
+            <a:extLst>
+              <a:ext uri="{FF2B5EF4-FFF2-40B4-BE49-F238E27FC236}">
+                <a16:creationId xmlns:a16="http://schemas.microsoft.com/office/drawing/2014/main" id="{EE86A2F8-C2FD-D027-ABEC-F050AC6B852E}"/>
+              </a:ext>
+            </a:extLst>
+          </p:cNvPr>
+          <p:cNvPicPr>
+            <a:picLocks noChangeAspect="1"/>
+          </p:cNvPicPr>
+          <p:nvPr/>
+        </p:nvPicPr>
+        <p:blipFill>
+          <a:blip r:embed="rId2" cstate="email">
+            <a:extLst>
+              <a:ext uri="{28A0092B-C50C-407E-A947-70E740481C1C}">
+                <a14:useLocalDpi xmlns:a14="http://schemas.microsoft.com/office/drawing/2010/main"/>
+              </a:ext>
+            </a:extLst>
+          </a:blip>
+          <a:stretch>
+            <a:fillRect/>
+          </a:stretch>
+        </p:blipFill>
+        <p:spPr>
+          <a:xfrm>
+            <a:off x="4264660" y="1253947"/>
+            <a:ext cx="1530350" cy="1200150"/>
+          </a:xfrm>
+          <a:prstGeom prst="rect">
+            <a:avLst/>
+          </a:prstGeom>
+        </p:spPr>
+      </p:pic>
+      <p:pic>
+        <p:nvPicPr>
+          <p:cNvPr id="1028" name="Picture 4" descr="x758 vs 1025r: new owner impressions | My Tractor Forum">
+            <a:extLst>
+              <a:ext uri="{FF2B5EF4-FFF2-40B4-BE49-F238E27FC236}">
+                <a16:creationId xmlns:a16="http://schemas.microsoft.com/office/drawing/2014/main" id="{454F66C4-2B11-96E3-1FC1-489106CE95D7}"/>
+              </a:ext>
+            </a:extLst>
+          </p:cNvPr>
+          <p:cNvPicPr>
+            <a:picLocks noChangeAspect="1" noChangeArrowheads="1"/>
+          </p:cNvPicPr>
+          <p:nvPr/>
+        </p:nvPicPr>
+        <p:blipFill>
+          <a:blip r:embed="rId3" cstate="email">
+            <a:extLst>
+              <a:ext uri="{28A0092B-C50C-407E-A947-70E740481C1C}">
+                <a14:useLocalDpi xmlns:a14="http://schemas.microsoft.com/office/drawing/2010/main"/>
+              </a:ext>
+            </a:extLst>
+          </a:blip>
+          <a:srcRect/>
+          <a:stretch>
+            <a:fillRect/>
+          </a:stretch>
+        </p:blipFill>
+        <p:spPr bwMode="auto">
+          <a:xfrm>
+            <a:off x="262128" y="1253947"/>
+            <a:ext cx="3785443" cy="2839082"/>
+          </a:xfrm>
+          <a:prstGeom prst="rect">
+            <a:avLst/>
+          </a:prstGeom>
+          <a:noFill/>
+          <a:extLst>
+            <a:ext uri="{909E8E84-426E-40DD-AFC4-6F175D3DCCD1}">
+              <a14:hiddenFill xmlns:a14="http://schemas.microsoft.com/office/drawing/2010/main">
+                <a:solidFill>
+                  <a:srgbClr val="FFFFFF"/>
+                </a:solidFill>
+              </a14:hiddenFill>
+            </a:ext>
+          </a:extLst>
+        </p:spPr>
+      </p:pic>
+      <p:sp>
+        <p:nvSpPr>
+          <p:cNvPr id="3" name="TextBox 2">
+            <a:extLst>
+              <a:ext uri="{FF2B5EF4-FFF2-40B4-BE49-F238E27FC236}">
+                <a16:creationId xmlns:a16="http://schemas.microsoft.com/office/drawing/2014/main" id="{300305A7-914B-7488-5C71-E229D10278CE}"/>
+              </a:ext>
+            </a:extLst>
+          </p:cNvPr>
+          <p:cNvSpPr txBox="1"/>
+          <p:nvPr/>
+        </p:nvSpPr>
+        <p:spPr>
+          <a:xfrm>
+            <a:off x="6396991" y="642163"/>
+            <a:ext cx="5609951" cy="3031599"/>
+          </a:xfrm>
+          <a:prstGeom prst="rect">
+            <a:avLst/>
+          </a:prstGeom>
+          <a:solidFill>
+            <a:schemeClr val="accent4">
+              <a:lumMod val="20000"/>
+              <a:lumOff val="80000"/>
+            </a:schemeClr>
+          </a:solidFill>
+          <a:ln>
+            <a:solidFill>
+              <a:srgbClr val="FF0000"/>
+            </a:solidFill>
+          </a:ln>
+        </p:spPr>
+        <p:txBody>
+          <a:bodyPr wrap="square" rtlCol="0">
+            <a:spAutoFit/>
+          </a:bodyPr>
+          <a:lstStyle/>
+          <a:p>
+            <a:r>
+              <a:rPr lang="en-US" dirty="0"/>
+              <a:t>X700 series 4WD models: </a:t>
+            </a:r>
+          </a:p>
+          <a:p>
+            <a:r>
+              <a:rPr lang="en-US" dirty="0"/>
+              <a:t>X738, X739, X758</a:t>
+            </a:r>
+          </a:p>
+          <a:p>
+            <a:r>
+              <a:rPr lang="en-US" sz="1100" dirty="0">
+                <a:hlinkClick r:id="rId4"/>
+              </a:rPr>
+              <a:t>https://</a:t>
+            </a:r>
+            <a:r>
+              <a:rPr lang="en-US" sz="1100" dirty="0" err="1">
+                <a:hlinkClick r:id="rId4"/>
+              </a:rPr>
+              <a:t>www.deere.com</a:t>
+            </a:r>
+            <a:r>
+              <a:rPr lang="en-US" sz="1100" dirty="0">
+                <a:hlinkClick r:id="rId4"/>
+              </a:rPr>
+              <a:t>/</a:t>
+            </a:r>
+            <a:r>
+              <a:rPr lang="en-US" sz="1100" dirty="0" err="1">
+                <a:hlinkClick r:id="rId4"/>
+              </a:rPr>
+              <a:t>en</a:t>
+            </a:r>
+            <a:r>
+              <a:rPr lang="en-US" sz="1100" dirty="0">
+                <a:hlinkClick r:id="rId4"/>
+              </a:rPr>
+              <a:t>/mowers/lawn-tractors/x700-series/ </a:t>
+            </a:r>
+            <a:endParaRPr lang="en-US" sz="1100" dirty="0"/>
+          </a:p>
+          <a:p>
+            <a:endParaRPr lang="en-US" dirty="0"/>
+          </a:p>
+          <a:p>
+            <a:pPr marL="285750" indent="-285750">
+              <a:buFont typeface="Arial" panose="020B0604020202020204" pitchFamily="34" charset="0"/>
+              <a:buChar char="•"/>
+            </a:pPr>
+            <a:r>
+              <a:rPr lang="en-US" sz="1400" dirty="0"/>
+              <a:t>All accept mowing decks 48, 54, 60 inches</a:t>
+            </a:r>
+          </a:p>
+          <a:p>
+            <a:pPr marL="285750" indent="-285750">
+              <a:buFont typeface="Arial" panose="020B0604020202020204" pitchFamily="34" charset="0"/>
+              <a:buChar char="•"/>
+            </a:pPr>
+            <a:r>
+              <a:rPr lang="en-US" sz="1400" dirty="0"/>
+              <a:t>All have power lift - two-function hydraulic lift system to raise and lower attachments (mower decks, front blades, snow blowers, or rotary brooms)</a:t>
+            </a:r>
+          </a:p>
+          <a:p>
+            <a:pPr marL="285750" indent="-285750">
+              <a:buFont typeface="Arial" panose="020B0604020202020204" pitchFamily="34" charset="0"/>
+              <a:buChar char="•"/>
+            </a:pPr>
+            <a:r>
+              <a:rPr lang="en-US" sz="1400" dirty="0"/>
+              <a:t>Prices: $17..$19K</a:t>
+            </a:r>
+          </a:p>
+          <a:p>
+            <a:endParaRPr lang="en-US" sz="1400" dirty="0"/>
+          </a:p>
+          <a:p>
+            <a:pPr marL="285750" indent="-285750">
+              <a:buFont typeface="Arial" panose="020B0604020202020204" pitchFamily="34" charset="0"/>
+              <a:buChar char="•"/>
+            </a:pPr>
+            <a:r>
+              <a:rPr lang="en-US" sz="1400" dirty="0"/>
+              <a:t>X738 4wd, gas, fuel injection, V-twin, power lift</a:t>
+            </a:r>
+          </a:p>
+          <a:p>
+            <a:pPr marL="285750" indent="-285750">
+              <a:buFont typeface="Arial" panose="020B0604020202020204" pitchFamily="34" charset="0"/>
+              <a:buChar char="•"/>
+            </a:pPr>
+            <a:r>
+              <a:rPr lang="en-US" sz="1400" dirty="0"/>
+              <a:t>X739 4wd, gas, fuel injection, V-twin, power lift, 4-wheel steer</a:t>
+            </a:r>
+          </a:p>
+          <a:p>
+            <a:pPr marL="285750" indent="-285750">
+              <a:buFont typeface="Arial" panose="020B0604020202020204" pitchFamily="34" charset="0"/>
+              <a:buChar char="•"/>
+            </a:pPr>
+            <a:r>
+              <a:rPr lang="en-US" sz="1400" dirty="0"/>
+              <a:t>X758 4wd, diesel, power lift</a:t>
+            </a:r>
+          </a:p>
+        </p:txBody>
+      </p:sp>
+    </p:spTree>
+    <p:extLst>
+      <p:ext uri="{BB962C8B-B14F-4D97-AF65-F5344CB8AC3E}">
+        <p14:creationId xmlns:p14="http://schemas.microsoft.com/office/powerpoint/2010/main" val="701099002"/>
+      </p:ext>
+    </p:extLst>
+  </p:cSld>
+  <p:clrMapOvr>
+    <a:masterClrMapping/>
+  </p:clrMapOvr>
+</p:sld>
+</file>
+
+<file path=ppt/slides/slide4.xml><?xml version="1.0" encoding="utf-8"?>
+<p:sld xmlns:a="http://schemas.openxmlformats.org/drawingml/2006/main" xmlns:r="http://schemas.openxmlformats.org/officeDocument/2006/relationships" xmlns:p="http://schemas.openxmlformats.org/presentationml/2006/main">
+  <p:cSld>
+    <p:spTree>
+      <p:nvGrpSpPr>
         <p:cNvPr id="1" name=""/>
         <p:cNvGrpSpPr/>
         <p:nvPr/>
@@ -5025,7 +5446,7 @@
 </p:sld>
 </file>
 
-<file path=ppt/slides/slide4.xml><?xml version="1.0" encoding="utf-8"?>
+<file path=ppt/slides/slide5.xml><?xml version="1.0" encoding="utf-8"?>
 <p:sld xmlns:a="http://schemas.openxmlformats.org/drawingml/2006/main" xmlns:r="http://schemas.openxmlformats.org/officeDocument/2006/relationships" xmlns:p="http://schemas.openxmlformats.org/presentationml/2006/main">
   <p:cSld>
     <p:spTree>
